--- a/lessons/class1/Class1B_What is TM.pptx
+++ b/lessons/class1/Class1B_What is TM.pptx
@@ -229,7 +229,7 @@
           <a:p>
             <a:fld id="{B0C0A60C-850A-4EA4-9C14-A8FE98B94505}" type="datetimeFigureOut">
               <a:rPr lang="en-US" smtClean="0"/>
-              <a:t>12/30/20</a:t>
+              <a:t>1/11/21</a:t>
             </a:fld>
             <a:endParaRPr lang="en-US"/>
           </a:p>
@@ -628,7 +628,7 @@
           <a:p>
             <a:fld id="{5738B90E-0779-4C36-915C-6F05FCD89456}" type="datetime1">
               <a:rPr lang="en-US" smtClean="0"/>
-              <a:t>12/30/20</a:t>
+              <a:t>1/11/21</a:t>
             </a:fld>
             <a:endParaRPr lang="en-US"/>
           </a:p>
@@ -808,7 +808,7 @@
           <a:p>
             <a:fld id="{7B9EA29D-D431-42FE-B7B6-AAE4454C77D3}" type="datetime1">
               <a:rPr lang="en-US" smtClean="0"/>
-              <a:t>12/30/20</a:t>
+              <a:t>1/11/21</a:t>
             </a:fld>
             <a:endParaRPr lang="en-US"/>
           </a:p>
@@ -1065,7 +1065,7 @@
           <a:p>
             <a:fld id="{690D8A1E-EA8F-46C1-B891-AE0C00D9C314}" type="datetime1">
               <a:rPr lang="en-US" smtClean="0"/>
-              <a:t>12/30/20</a:t>
+              <a:t>1/11/21</a:t>
             </a:fld>
             <a:endParaRPr lang="en-US"/>
           </a:p>
@@ -1356,7 +1356,7 @@
           <a:p>
             <a:fld id="{D753EFC8-4232-4598-94F6-94C0EBAFC469}" type="datetime1">
               <a:rPr lang="en-US" smtClean="0"/>
-              <a:t>12/30/20</a:t>
+              <a:t>1/11/21</a:t>
             </a:fld>
             <a:endParaRPr lang="en-US"/>
           </a:p>
@@ -1668,7 +1668,7 @@
           <a:p>
             <a:fld id="{F3161074-1C18-4AE7-957D-F18524378C85}" type="datetime1">
               <a:rPr lang="en-US" smtClean="0"/>
-              <a:t>12/30/20</a:t>
+              <a:t>1/11/21</a:t>
             </a:fld>
             <a:endParaRPr lang="en-US"/>
           </a:p>
@@ -1904,7 +1904,7 @@
           <a:p>
             <a:fld id="{69BE256C-8D9A-4404-B47D-41A1AE514425}" type="datetime1">
               <a:rPr lang="en-US" smtClean="0"/>
-              <a:t>12/30/20</a:t>
+              <a:t>1/11/21</a:t>
             </a:fld>
             <a:endParaRPr lang="en-US"/>
           </a:p>
@@ -2335,7 +2335,7 @@
           <a:p>
             <a:fld id="{66CB2154-9035-4012-8189-BAAB61C5A5EE}" type="datetime1">
               <a:rPr lang="en-US" smtClean="0"/>
-              <a:t>12/30/20</a:t>
+              <a:t>1/11/21</a:t>
             </a:fld>
             <a:endParaRPr lang="en-US"/>
           </a:p>
@@ -2506,7 +2506,7 @@
           <a:p>
             <a:fld id="{6700A58B-DD98-43D0-B791-721480A02982}" type="datetime1">
               <a:rPr lang="en-US" smtClean="0"/>
-              <a:t>12/30/20</a:t>
+              <a:t>1/11/21</a:t>
             </a:fld>
             <a:endParaRPr lang="en-US"/>
           </a:p>
@@ -2695,7 +2695,7 @@
           <a:p>
             <a:fld id="{7DB6E382-4F61-4E24-BE1A-377EC83D0E3A}" type="datetime1">
               <a:rPr lang="en-US" smtClean="0"/>
-              <a:t>12/30/20</a:t>
+              <a:t>1/11/21</a:t>
             </a:fld>
             <a:endParaRPr lang="en-US"/>
           </a:p>
@@ -3003,7 +3003,7 @@
           <a:p>
             <a:fld id="{4142EED6-FC16-45B9-B8C4-2BC5DBA88325}" type="datetime1">
               <a:rPr lang="en-US" smtClean="0"/>
-              <a:t>12/30/20</a:t>
+              <a:t>1/11/21</a:t>
             </a:fld>
             <a:endParaRPr lang="en-US"/>
           </a:p>
@@ -3318,7 +3318,7 @@
           <a:p>
             <a:fld id="{DF59512B-4F1D-43D7-8819-2F53FEF69650}" type="datetime1">
               <a:rPr lang="en-US" smtClean="0"/>
-              <a:t>12/30/20</a:t>
+              <a:t>1/11/21</a:t>
             </a:fld>
             <a:endParaRPr lang="en-US"/>
           </a:p>
@@ -3591,7 +3591,7 @@
           <a:p>
             <a:fld id="{08437B94-E2BF-44DC-ADC5-B05FC9934E9D}" type="datetime1">
               <a:rPr lang="en-US" smtClean="0"/>
-              <a:t>12/30/20</a:t>
+              <a:t>1/11/21</a:t>
             </a:fld>
             <a:endParaRPr lang="en-US"/>
           </a:p>
@@ -4053,7 +4053,7 @@
           <a:p>
             <a:fld id="{5738B90E-0779-4C36-915C-6F05FCD89456}" type="datetime1">
               <a:rPr lang="en-US" smtClean="0"/>
-              <a:t>12/30/20</a:t>
+              <a:t>1/11/21</a:t>
             </a:fld>
             <a:endParaRPr lang="en-US"/>
           </a:p>
@@ -4243,7 +4243,7 @@
           <a:p>
             <a:fld id="{6700A58B-DD98-43D0-B791-721480A02982}" type="datetime1">
               <a:rPr lang="en-US" smtClean="0"/>
-              <a:t>12/30/20</a:t>
+              <a:t>1/11/21</a:t>
             </a:fld>
             <a:endParaRPr lang="en-US"/>
           </a:p>
@@ -5152,7 +5152,7 @@
           <a:p>
             <a:fld id="{6700A58B-DD98-43D0-B791-721480A02982}" type="datetime1">
               <a:rPr lang="en-US" smtClean="0"/>
-              <a:t>12/30/20</a:t>
+              <a:t>1/11/21</a:t>
             </a:fld>
             <a:endParaRPr lang="en-US"/>
           </a:p>
@@ -5579,7 +5579,7 @@
               <a:noFill/>
               <a:extLst>
                 <a:ext uri="{909E8E84-426E-40dd-AFC4-6F175D3DCCD1}">
-                  <a14:hiddenFill xmlns:a14="http://schemas.microsoft.com/office/drawing/2010/main" xmlns="">
+                  <a14:hiddenFill xmlns="" xmlns:a14="http://schemas.microsoft.com/office/drawing/2010/main">
                     <a:solidFill>
                       <a:srgbClr val="FFFFFF"/>
                     </a:solidFill>
@@ -5620,7 +5620,7 @@
               <a:noFill/>
               <a:extLst>
                 <a:ext uri="{909E8E84-426E-40dd-AFC4-6F175D3DCCD1}">
-                  <a14:hiddenFill xmlns:a14="http://schemas.microsoft.com/office/drawing/2010/main" xmlns="">
+                  <a14:hiddenFill xmlns="" xmlns:a14="http://schemas.microsoft.com/office/drawing/2010/main">
                     <a:solidFill>
                       <a:srgbClr val="FFFFFF"/>
                     </a:solidFill>
@@ -5662,7 +5662,7 @@
             <a:noFill/>
             <a:extLst>
               <a:ext uri="{909E8E84-426E-40dd-AFC4-6F175D3DCCD1}">
-                <a14:hiddenFill xmlns:a14="http://schemas.microsoft.com/office/drawing/2010/main" xmlns="">
+                <a14:hiddenFill xmlns="" xmlns:a14="http://schemas.microsoft.com/office/drawing/2010/main">
                   <a:solidFill>
                     <a:srgbClr val="FFFFFF"/>
                   </a:solidFill>
@@ -5701,7 +5701,7 @@
             <a:noFill/>
             <a:extLst>
               <a:ext uri="{909E8E84-426E-40dd-AFC4-6F175D3DCCD1}">
-                <a14:hiddenFill xmlns:a14="http://schemas.microsoft.com/office/drawing/2010/main" xmlns="">
+                <a14:hiddenFill xmlns="" xmlns:a14="http://schemas.microsoft.com/office/drawing/2010/main">
                   <a:solidFill>
                     <a:srgbClr val="FFFFFF"/>
                   </a:solidFill>
@@ -5742,7 +5742,7 @@
             <a:noFill/>
             <a:extLst>
               <a:ext uri="{909E8E84-426E-40dd-AFC4-6F175D3DCCD1}">
-                <a14:hiddenFill xmlns:a14="http://schemas.microsoft.com/office/drawing/2010/main" xmlns="">
+                <a14:hiddenFill xmlns="" xmlns:a14="http://schemas.microsoft.com/office/drawing/2010/main">
                   <a:solidFill>
                     <a:srgbClr val="FFFFFF"/>
                   </a:solidFill>
@@ -6030,7 +6030,7 @@
           <a:p>
             <a:fld id="{6700A58B-DD98-43D0-B791-721480A02982}" type="datetime1">
               <a:rPr lang="en-US" smtClean="0"/>
-              <a:t>12/30/20</a:t>
+              <a:t>1/11/21</a:t>
             </a:fld>
             <a:endParaRPr lang="en-US"/>
           </a:p>
@@ -7083,7 +7083,7 @@
           <a:p>
             <a:fld id="{6700A58B-DD98-43D0-B791-721480A02982}" type="datetime1">
               <a:rPr lang="en-US" smtClean="0"/>
-              <a:t>12/30/20</a:t>
+              <a:t>1/11/21</a:t>
             </a:fld>
             <a:endParaRPr lang="en-US"/>
           </a:p>
@@ -8143,7 +8143,7 @@
           <a:p>
             <a:fld id="{6700A58B-DD98-43D0-B791-721480A02982}" type="datetime1">
               <a:rPr lang="en-US" smtClean="0"/>
-              <a:t>12/30/20</a:t>
+              <a:t>1/11/21</a:t>
             </a:fld>
             <a:endParaRPr lang="en-US"/>
           </a:p>
@@ -8699,7 +8699,7 @@
           <a:p>
             <a:fld id="{6700A58B-DD98-43D0-B791-721480A02982}" type="datetime1">
               <a:rPr lang="en-US" smtClean="0"/>
-              <a:t>12/30/20</a:t>
+              <a:t>1/11/21</a:t>
             </a:fld>
             <a:endParaRPr lang="en-US"/>
           </a:p>
@@ -9341,7 +9341,7 @@
           <a:p>
             <a:fld id="{6700A58B-DD98-43D0-B791-721480A02982}" type="datetime1">
               <a:rPr lang="en-US" smtClean="0"/>
-              <a:t>12/30/20</a:t>
+              <a:t>1/11/21</a:t>
             </a:fld>
             <a:endParaRPr lang="en-US"/>
           </a:p>
@@ -10129,7 +10129,7 @@
           <a:p>
             <a:fld id="{4142EED6-FC16-45B9-B8C4-2BC5DBA88325}" type="datetime1">
               <a:rPr lang="en-US" smtClean="0"/>
-              <a:t>12/30/20</a:t>
+              <a:t>1/11/21</a:t>
             </a:fld>
             <a:endParaRPr lang="en-US"/>
           </a:p>
@@ -10216,14 +10216,14 @@
           <a:effectLst/>
           <a:extLst>
             <a:ext uri="{909E8E84-426E-40dd-AFC4-6F175D3DCCD1}">
-              <a14:hiddenFill xmlns:a14="http://schemas.microsoft.com/office/drawing/2010/main" xmlns="">
+              <a14:hiddenFill xmlns="" xmlns:a14="http://schemas.microsoft.com/office/drawing/2010/main">
                 <a:solidFill>
                   <a:schemeClr val="accent1"/>
                 </a:solidFill>
               </a14:hiddenFill>
             </a:ext>
             <a:ext uri="{91240B29-F687-4f45-9708-019B960494DF}">
-              <a14:hiddenLine xmlns:a14="http://schemas.microsoft.com/office/drawing/2010/main" xmlns="" w="9525">
+              <a14:hiddenLine xmlns="" xmlns:a14="http://schemas.microsoft.com/office/drawing/2010/main" w="9525">
                 <a:solidFill>
                   <a:schemeClr val="tx1"/>
                 </a:solidFill>
@@ -10233,7 +10233,7 @@
               </a14:hiddenLine>
             </a:ext>
             <a:ext uri="{AF507438-7753-43e0-B8FC-AC1667EBCBE1}">
-              <a14:hiddenEffects xmlns:a14="http://schemas.microsoft.com/office/drawing/2010/main" xmlns="">
+              <a14:hiddenEffects xmlns="" xmlns:a14="http://schemas.microsoft.com/office/drawing/2010/main">
                 <a:effectLst>
                   <a:outerShdw dist="35921" dir="2700000" algn="ctr" rotWithShape="0">
                     <a:schemeClr val="bg2"/>
@@ -10474,14 +10474,14 @@
           <a:effectLst/>
           <a:extLst>
             <a:ext uri="{909E8E84-426E-40dd-AFC4-6F175D3DCCD1}">
-              <a14:hiddenFill xmlns:a14="http://schemas.microsoft.com/office/drawing/2010/main" xmlns="">
+              <a14:hiddenFill xmlns="" xmlns:a14="http://schemas.microsoft.com/office/drawing/2010/main">
                 <a:solidFill>
                   <a:schemeClr val="accent1"/>
                 </a:solidFill>
               </a14:hiddenFill>
             </a:ext>
             <a:ext uri="{91240B29-F687-4f45-9708-019B960494DF}">
-              <a14:hiddenLine xmlns:a14="http://schemas.microsoft.com/office/drawing/2010/main" xmlns="" w="9525">
+              <a14:hiddenLine xmlns="" xmlns:a14="http://schemas.microsoft.com/office/drawing/2010/main" w="9525">
                 <a:solidFill>
                   <a:schemeClr val="tx1"/>
                 </a:solidFill>
@@ -10491,7 +10491,7 @@
               </a14:hiddenLine>
             </a:ext>
             <a:ext uri="{AF507438-7753-43e0-B8FC-AC1667EBCBE1}">
-              <a14:hiddenEffects xmlns:a14="http://schemas.microsoft.com/office/drawing/2010/main" xmlns="">
+              <a14:hiddenEffects xmlns="" xmlns:a14="http://schemas.microsoft.com/office/drawing/2010/main">
                 <a:effectLst>
                   <a:outerShdw dist="35921" dir="2700000" algn="ctr" rotWithShape="0">
                     <a:schemeClr val="bg2"/>
@@ -10629,7 +10629,7 @@
           <a:p>
             <a:fld id="{4142EED6-FC16-45B9-B8C4-2BC5DBA88325}" type="datetime1">
               <a:rPr lang="en-US" smtClean="0"/>
-              <a:t>12/30/20</a:t>
+              <a:t>1/11/21</a:t>
             </a:fld>
             <a:endParaRPr lang="en-US" dirty="0"/>
           </a:p>
@@ -10891,7 +10891,7 @@
           <a:p>
             <a:fld id="{6700A58B-DD98-43D0-B791-721480A02982}" type="datetime1">
               <a:rPr lang="en-US" smtClean="0"/>
-              <a:t>12/30/20</a:t>
+              <a:t>1/11/21</a:t>
             </a:fld>
             <a:endParaRPr lang="en-US"/>
           </a:p>
@@ -11159,7 +11159,7 @@
           <a:p>
             <a:fld id="{6700A58B-DD98-43D0-B791-721480A02982}" type="datetime1">
               <a:rPr lang="en-US" smtClean="0"/>
-              <a:t>12/30/20</a:t>
+              <a:t>1/11/21</a:t>
             </a:fld>
             <a:endParaRPr lang="en-US"/>
           </a:p>
@@ -11281,7 +11281,23 @@
                   <a:schemeClr val="bg1"/>
                 </a:solidFill>
               </a:rPr>
-              <a:t>What uses of text mining do you observe, research or want to do?</a:t>
+              <a:t>What uses of </a:t>
+            </a:r>
+            <a:r>
+              <a:rPr lang="en-US">
+                <a:solidFill>
+                  <a:schemeClr val="bg1"/>
+                </a:solidFill>
+              </a:rPr>
+              <a:t>text mining &amp; NLP </a:t>
+            </a:r>
+            <a:r>
+              <a:rPr lang="en-US" dirty="0">
+                <a:solidFill>
+                  <a:schemeClr val="bg1"/>
+                </a:solidFill>
+              </a:rPr>
+              <a:t>do you observe, research or want to do?</a:t>
             </a:r>
           </a:p>
         </p:txBody>
@@ -11816,7 +11832,7 @@
           <a:p>
             <a:fld id="{4142EED6-FC16-45B9-B8C4-2BC5DBA88325}" type="datetime1">
               <a:rPr lang="en-US" smtClean="0"/>
-              <a:t>12/30/20</a:t>
+              <a:t>1/11/21</a:t>
             </a:fld>
             <a:endParaRPr lang="en-US" dirty="0"/>
           </a:p>
@@ -12022,7 +12038,7 @@
           <a:p>
             <a:fld id="{6700A58B-DD98-43D0-B791-721480A02982}" type="datetime1">
               <a:rPr lang="en-US" smtClean="0"/>
-              <a:t>12/30/20</a:t>
+              <a:t>1/11/21</a:t>
             </a:fld>
             <a:endParaRPr lang="en-US"/>
           </a:p>
@@ -12445,7 +12461,7 @@
           <a:p>
             <a:fld id="{6700A58B-DD98-43D0-B791-721480A02982}" type="datetime1">
               <a:rPr lang="en-US" smtClean="0"/>
-              <a:t>12/30/20</a:t>
+              <a:t>1/11/21</a:t>
             </a:fld>
             <a:endParaRPr lang="en-US"/>
           </a:p>
@@ -13229,7 +13245,7 @@
           <a:p>
             <a:fld id="{6700A58B-DD98-43D0-B791-721480A02982}" type="datetime1">
               <a:rPr lang="en-US" smtClean="0"/>
-              <a:t>12/30/20</a:t>
+              <a:t>1/11/21</a:t>
             </a:fld>
             <a:endParaRPr lang="en-US"/>
           </a:p>
